--- a/training-cards/emotional erwachsen/Vision (VIS)/ger/apprentice/ger_VIS_08_Wie_satt_gehe_ich_ins_Bett_EE_A.pptx
+++ b/training-cards/emotional erwachsen/Vision (VIS)/ger/apprentice/ger_VIS_08_Wie_satt_gehe_ich_ins_Bett_EE_A.pptx
@@ -193,7 +193,7 @@
           <a:p>
             <a:fld id="{6E077CBB-2DF5-4D45-BDDD-22DB2684D07E}" type="datetimeFigureOut">
               <a:rPr lang="de-DE" smtClean="0"/>
-              <a:t>23.11.15</a:t>
+              <a:t>24.11.15</a:t>
             </a:fld>
             <a:endParaRPr lang="de-DE"/>
           </a:p>
@@ -2285,7 +2285,15 @@
             </a:r>
             <a:r>
               <a:rPr lang="de-DE" sz="1100" dirty="0"/>
-              <a:t>heute erfüllt hat und bereite es in Form eines kurzen Textes oder als </a:t>
+              <a:t>heute erfüllt </a:t>
+            </a:r>
+            <a:r>
+              <a:rPr lang="de-DE" sz="1100" dirty="0" smtClean="0"/>
+              <a:t>hat, </a:t>
+            </a:r>
+            <a:r>
+              <a:rPr lang="de-DE" sz="1100" dirty="0"/>
+              <a:t>und bereite es in Form eines kurzen Textes oder als </a:t>
             </a:r>
             <a:r>
               <a:rPr lang="de-DE" sz="1100" dirty="0" err="1"/>
@@ -2315,15 +2323,15 @@
             </a:pPr>
             <a:r>
               <a:rPr lang="de-DE" sz="1100" dirty="0" smtClean="0"/>
-              <a:t>Du kannst diese Texte </a:t>
-            </a:r>
-            <a:r>
-              <a:rPr lang="de-DE" sz="1100" smtClean="0"/>
-              <a:t>oder Listen benutzen</a:t>
-            </a:r>
-            <a:r>
-              <a:rPr lang="de-DE" sz="1100" dirty="0" smtClean="0"/>
-              <a:t>, um mit Deiner Vision in Verbindung zu kommen. Wenn Du bereits mit Deiner Vision gearbeitet hast, kannst Du diese Texte auch nutzen, um sie mit Deiner Vision in Verbindung bringen (</a:t>
+              <a:t>Du kannst diese Texte oder Listen benutzen, um mit Deiner Vision in Verbindung zu kommen. Wenn Du bereits mit Deiner Vision gearbeitet hast, kannst Du diese Texte auch nutzen, um sie mit Deiner Vision in </a:t>
+            </a:r>
+            <a:r>
+              <a:rPr lang="de-DE" sz="1100" dirty="0" smtClean="0"/>
+              <a:t>Verbindung zu </a:t>
+            </a:r>
+            <a:r>
+              <a:rPr lang="de-DE" sz="1100" dirty="0" smtClean="0"/>
+              <a:t>bringen (</a:t>
             </a:r>
             <a:r>
               <a:rPr lang="de-DE" sz="1100" dirty="0"/>
@@ -2365,7 +2373,6 @@
               <a:rPr lang="de-DE" sz="1100" dirty="0"/>
               <a:t>Wenn Du ein Team oder Trainingspartner hast, bespreche Deine Erfahrungen mit ihnen. </a:t>
             </a:r>
-            <a:endParaRPr lang="de-DE" sz="1100" dirty="0"/>
           </a:p>
         </p:txBody>
       </p:sp>
@@ -2409,7 +2416,7 @@
                 <a:latin typeface="Avenir Light"/>
                 <a:cs typeface="Avenir Light"/>
               </a:rPr>
-              <a:t>23.11.15</a:t>
+              <a:t>24.11.15</a:t>
             </a:fld>
             <a:endParaRPr lang="de-DE" sz="600" dirty="0">
               <a:solidFill>

--- a/training-cards/emotional erwachsen/Vision (VIS)/ger/apprentice/ger_VIS_08_Wie_satt_gehe_ich_ins_Bett_EE_A.pptx
+++ b/training-cards/emotional erwachsen/Vision (VIS)/ger/apprentice/ger_VIS_08_Wie_satt_gehe_ich_ins_Bett_EE_A.pptx
@@ -1957,265 +1957,143 @@
           <a:p>
             <a:pPr>
               <a:lnSpc>
-                <a:spcPts val="1500"/>
+                <a:spcPts val="1400"/>
               </a:lnSpc>
               <a:spcBef>
-                <a:spcPts val="600"/>
+                <a:spcPts val="800"/>
               </a:spcBef>
             </a:pPr>
             <a:r>
-              <a:rPr lang="de-DE" sz="1100" dirty="0" smtClean="0"/>
-              <a:t>Am Ende jedes Tages kannst Du ein </a:t>
-            </a:r>
-            <a:r>
               <a:rPr lang="de-DE" sz="1100" dirty="0"/>
-              <a:t>Resümee ziehen, was </a:t>
-            </a:r>
-            <a:r>
-              <a:rPr lang="de-DE" sz="1100" dirty="0" smtClean="0"/>
-              <a:t>Dich </a:t>
-            </a:r>
-            <a:r>
-              <a:rPr lang="de-DE" sz="1100" dirty="0"/>
-              <a:t>an diesem Tag besonders satt gemacht </a:t>
-            </a:r>
-            <a:r>
-              <a:rPr lang="de-DE" sz="1100" dirty="0" smtClean="0"/>
-              <a:t>hat.</a:t>
+              <a:t>Am Ende jedes Tages kannst Du ein Resümee ziehen, was Dich an diesem Tag besonders satt gemacht hat.</a:t>
             </a:r>
           </a:p>
           <a:p>
             <a:pPr>
               <a:lnSpc>
-                <a:spcPts val="1500"/>
+                <a:spcPts val="1400"/>
               </a:lnSpc>
               <a:spcBef>
-                <a:spcPts val="600"/>
+                <a:spcPts val="800"/>
               </a:spcBef>
             </a:pPr>
             <a:r>
-              <a:rPr lang="de-DE" sz="1100" dirty="0" smtClean="0"/>
-              <a:t>Du kannst Dich fragen</a:t>
-            </a:r>
-            <a:r>
               <a:rPr lang="de-DE" sz="1100" dirty="0"/>
-              <a:t>, was </a:t>
-            </a:r>
-            <a:r>
-              <a:rPr lang="de-DE" sz="1100" dirty="0" smtClean="0"/>
-              <a:t>Dich </a:t>
-            </a:r>
-            <a:r>
-              <a:rPr lang="de-DE" sz="1100" dirty="0"/>
-              <a:t>wirklich vorangebracht hat, für was es sich gelohnt hat den Tag zu erleben, was </a:t>
-            </a:r>
-            <a:r>
-              <a:rPr lang="de-DE" sz="1100" dirty="0" smtClean="0"/>
-              <a:t>Dich Deiner </a:t>
-            </a:r>
-            <a:r>
-              <a:rPr lang="de-DE" sz="1100" dirty="0"/>
-              <a:t>Vision näher gebracht hat.</a:t>
+              <a:t>Was hat Dich wirklich vorangebracht? Wofür hat es sich gelohnt, den Tag zu erleben?</a:t>
             </a:r>
           </a:p>
           <a:p>
             <a:pPr>
               <a:lnSpc>
-                <a:spcPts val="1500"/>
+                <a:spcPts val="1400"/>
               </a:lnSpc>
               <a:spcBef>
-                <a:spcPts val="600"/>
+                <a:spcPts val="800"/>
               </a:spcBef>
             </a:pPr>
             <a:r>
-              <a:rPr lang="de-DE" sz="1100" dirty="0" smtClean="0"/>
-              <a:t>Mit dieser Perspektive geht der Fokus weg </a:t>
-            </a:r>
-            <a:r>
               <a:rPr lang="de-DE" sz="1100" dirty="0"/>
-              <a:t>von Aktionismus und was </a:t>
-            </a:r>
-            <a:r>
-              <a:rPr lang="de-DE" sz="1100" dirty="0" smtClean="0"/>
-              <a:t>Du gearbeitet hast, </a:t>
-            </a:r>
-            <a:r>
-              <a:rPr lang="de-DE" sz="1100" dirty="0"/>
-              <a:t>hin zu dem, was </a:t>
-            </a:r>
-            <a:r>
-              <a:rPr lang="de-DE" sz="1100" dirty="0" smtClean="0"/>
-              <a:t>Dir </a:t>
-            </a:r>
-            <a:r>
-              <a:rPr lang="de-DE" sz="1100" dirty="0"/>
-              <a:t>wirklich etwas bedeutet.</a:t>
+              <a:t>Mit dieser Perspektive geht der Fokus weg von Aktionismus und was Du gearbeitet hast, hin zu dem, was Dir wirklich etwas bedeutet.</a:t>
             </a:r>
           </a:p>
           <a:p>
             <a:pPr>
               <a:lnSpc>
-                <a:spcPts val="1500"/>
+                <a:spcPts val="1400"/>
               </a:lnSpc>
               <a:spcBef>
-                <a:spcPts val="600"/>
+                <a:spcPts val="800"/>
               </a:spcBef>
             </a:pPr>
             <a:r>
               <a:rPr lang="de-DE" sz="1100" dirty="0"/>
-              <a:t>Vielleicht machen </a:t>
-            </a:r>
-            <a:r>
-              <a:rPr lang="de-DE" sz="1100" dirty="0" smtClean="0"/>
-              <a:t>Dich </a:t>
-            </a:r>
-            <a:r>
-              <a:rPr lang="de-DE" sz="1100" dirty="0"/>
-              <a:t>ganz kleine Dinge satt, die weder Zeit noch Mühe kosten, </a:t>
-            </a:r>
-            <a:r>
-              <a:rPr lang="de-DE" sz="1100" dirty="0" smtClean="0"/>
-              <a:t>Dich </a:t>
-            </a:r>
-            <a:r>
-              <a:rPr lang="de-DE" sz="1100" dirty="0"/>
-              <a:t>aber trotzdem freuen.</a:t>
+              <a:t>Vielleicht machen Dich ganz kleine Dinge satt, die weder Zeit noch Mühe kosten, Dich aber trotzdem freuen.</a:t>
             </a:r>
           </a:p>
           <a:p>
             <a:pPr>
               <a:lnSpc>
-                <a:spcPts val="1500"/>
+                <a:spcPts val="1400"/>
               </a:lnSpc>
               <a:spcBef>
-                <a:spcPts val="600"/>
+                <a:spcPts val="800"/>
               </a:spcBef>
             </a:pPr>
             <a:r>
               <a:rPr lang="de-DE" sz="1100" dirty="0"/>
-              <a:t>Es geht </a:t>
-            </a:r>
+              <a:t>Es geht darum, einen Weg zu finden, erfüllt zu sein, ohne Dich dafür abrackern oder leiden zu müssen. Es geht darum eine Wahrnehmung zu generieren, wie Du als Mensch satt werden </a:t>
+            </a:r>
+            <a:r>
+              <a:rPr lang="de-DE" sz="1100" smtClean="0"/>
+              <a:t>kannst:</a:t>
+            </a:r>
+            <a:br>
+              <a:rPr lang="de-DE" sz="1100" smtClean="0"/>
+            </a:br>
+            <a:r>
+              <a:rPr lang="de-DE" sz="1100" smtClean="0"/>
+              <a:t>Satt</a:t>
+            </a:r>
+            <a:r>
+              <a:rPr lang="de-DE" sz="1100" dirty="0"/>
+              <a:t>, weil Du auf Deine Bedürfnisse gehört  hast</a:t>
+            </a:r>
+            <a:r>
+              <a:rPr lang="de-DE" sz="1100"/>
+              <a:t>; </a:t>
+            </a:r>
+            <a:r>
+              <a:rPr lang="de-DE" sz="1100" smtClean="0"/>
+              <a:t/>
+            </a:r>
+            <a:br>
+              <a:rPr lang="de-DE" sz="1100" smtClean="0"/>
+            </a:br>
+            <a:r>
+              <a:rPr lang="de-DE" sz="1100" smtClean="0"/>
+              <a:t>satt</a:t>
+            </a:r>
+            <a:r>
+              <a:rPr lang="de-DE" sz="1100" dirty="0"/>
+              <a:t>, weil Dein Leben heute Spaß gemacht hat</a:t>
+            </a:r>
+            <a:r>
+              <a:rPr lang="de-DE" sz="1100"/>
+              <a:t>; </a:t>
+            </a:r>
+            <a:r>
+              <a:rPr lang="de-DE" sz="1100" smtClean="0"/>
+              <a:t/>
+            </a:r>
+            <a:br>
+              <a:rPr lang="de-DE" sz="1100" smtClean="0"/>
+            </a:br>
+            <a:r>
+              <a:rPr lang="de-DE" sz="1100" smtClean="0"/>
+              <a:t>satt</a:t>
+            </a:r>
+            <a:r>
+              <a:rPr lang="de-DE" sz="1100" dirty="0"/>
+              <a:t>, weil es genügt, was Du an diesem Tag geschafft hast</a:t>
+            </a:r>
+            <a:r>
+              <a:rPr lang="de-DE" sz="1100"/>
+              <a:t>. </a:t>
+            </a:r>
+            <a:r>
+              <a:rPr lang="de-DE" sz="1100" smtClean="0"/>
+              <a:t/>
+            </a:r>
+            <a:br>
+              <a:rPr lang="de-DE" sz="1100" smtClean="0"/>
+            </a:br>
             <a:r>
               <a:rPr lang="de-DE" sz="1100" dirty="0" smtClean="0"/>
-              <a:t>darum, einen </a:t>
+              <a:t>Vielleicht </a:t>
             </a:r>
             <a:r>
               <a:rPr lang="de-DE" sz="1100" dirty="0"/>
-              <a:t>Weg zu </a:t>
-            </a:r>
-            <a:r>
-              <a:rPr lang="de-DE" sz="1100" dirty="0" smtClean="0"/>
-              <a:t>finden, erfüllt zu sein, </a:t>
-            </a:r>
-            <a:r>
-              <a:rPr lang="de-DE" sz="1100" dirty="0"/>
-              <a:t>ohne </a:t>
-            </a:r>
-            <a:r>
-              <a:rPr lang="de-DE" sz="1100" dirty="0" smtClean="0"/>
-              <a:t>Dich dafür abrackern oder leiden zu </a:t>
-            </a:r>
-            <a:r>
-              <a:rPr lang="de-DE" sz="1100" dirty="0"/>
-              <a:t>müssen.</a:t>
-            </a:r>
-          </a:p>
-          <a:p>
-            <a:pPr>
-              <a:lnSpc>
-                <a:spcPts val="1500"/>
-              </a:lnSpc>
-              <a:spcBef>
-                <a:spcPts val="600"/>
-              </a:spcBef>
-            </a:pPr>
-            <a:r>
-              <a:rPr lang="de-DE" sz="1100" dirty="0"/>
-              <a:t>Es geht darum eine Wahrnehmung zu generieren, wie </a:t>
-            </a:r>
-            <a:r>
-              <a:rPr lang="de-DE" sz="1100" dirty="0" smtClean="0"/>
-              <a:t>Du als </a:t>
-            </a:r>
-            <a:r>
-              <a:rPr lang="de-DE" sz="1100" dirty="0"/>
-              <a:t>Mensch satt werden </a:t>
-            </a:r>
-            <a:r>
-              <a:rPr lang="de-DE" sz="1100" dirty="0" smtClean="0"/>
-              <a:t>kannst. Satt, </a:t>
-            </a:r>
-            <a:r>
-              <a:rPr lang="de-DE" sz="1100" dirty="0"/>
-              <a:t>weil </a:t>
-            </a:r>
-            <a:r>
-              <a:rPr lang="de-DE" sz="1100" dirty="0" smtClean="0"/>
-              <a:t>Deine </a:t>
-            </a:r>
-            <a:r>
-              <a:rPr lang="de-DE" sz="1100" dirty="0"/>
-              <a:t>Vision ein Teil </a:t>
-            </a:r>
-            <a:r>
-              <a:rPr lang="de-DE" sz="1100" dirty="0" smtClean="0"/>
-              <a:t>Deines </a:t>
-            </a:r>
-            <a:r>
-              <a:rPr lang="de-DE" sz="1100" dirty="0"/>
-              <a:t>Alltags </a:t>
-            </a:r>
-            <a:r>
-              <a:rPr lang="de-DE" sz="1100" dirty="0" smtClean="0"/>
-              <a:t>war; satt, </a:t>
-            </a:r>
-            <a:r>
-              <a:rPr lang="de-DE" sz="1100" dirty="0"/>
-              <a:t>weil </a:t>
-            </a:r>
-            <a:r>
-              <a:rPr lang="de-DE" sz="1100" dirty="0" smtClean="0"/>
-              <a:t>Du auf Deine </a:t>
-            </a:r>
-            <a:r>
-              <a:rPr lang="de-DE" sz="1100" dirty="0"/>
-              <a:t>Bedürfnisse gehört  </a:t>
-            </a:r>
-            <a:r>
-              <a:rPr lang="de-DE" sz="1100" dirty="0" smtClean="0"/>
-              <a:t>hast; satt, </a:t>
-            </a:r>
-            <a:r>
-              <a:rPr lang="de-DE" sz="1100" dirty="0"/>
-              <a:t>weil </a:t>
-            </a:r>
-            <a:r>
-              <a:rPr lang="de-DE" sz="1100" dirty="0" smtClean="0"/>
-              <a:t>Dein </a:t>
-            </a:r>
-            <a:r>
-              <a:rPr lang="de-DE" sz="1100" dirty="0"/>
-              <a:t>Leben heute Spaß gemacht </a:t>
-            </a:r>
-            <a:r>
-              <a:rPr lang="de-DE" sz="1100" dirty="0" smtClean="0"/>
-              <a:t>hat; satt, </a:t>
-            </a:r>
-            <a:r>
-              <a:rPr lang="de-DE" sz="1100" dirty="0"/>
-              <a:t>weil es genügt, was </a:t>
-            </a:r>
-            <a:r>
-              <a:rPr lang="de-DE" sz="1100" dirty="0" smtClean="0"/>
-              <a:t>Du an </a:t>
-            </a:r>
-            <a:r>
-              <a:rPr lang="de-DE" sz="1100" dirty="0"/>
-              <a:t>diesem Tag geschafft </a:t>
-            </a:r>
-            <a:r>
-              <a:rPr lang="de-DE" sz="1100" dirty="0" smtClean="0"/>
-              <a:t>hast.</a:t>
+              <a:t>sogar satt, weil Dich der Tag dem, was Du wirklich in Deinem Leben machen willst, deiner Vision, näher gebracht hat.</a:t>
             </a:r>
           </a:p>
         </p:txBody>
@@ -2272,44 +2150,20 @@
                 <a:spcPts val="1400"/>
               </a:lnSpc>
               <a:spcBef>
-                <a:spcPts val="1000"/>
+                <a:spcPts val="1200"/>
               </a:spcBef>
             </a:pPr>
             <a:r>
               <a:rPr lang="de-DE" sz="1100" dirty="0"/>
-              <a:t>Nimm dir abends Zeit um hinzuspüren, was </a:t>
+              <a:t>Nimm Dir abends Zeit hinzuspüren, was Dich heute erfüllt hat, und bereite es in Form eines kurzen Textes oder als </a:t>
             </a:r>
             <a:r>
               <a:rPr lang="de-DE" sz="1100" dirty="0" smtClean="0"/>
-              <a:t>Dich </a:t>
+              <a:t>Punktliste </a:t>
             </a:r>
             <a:r>
               <a:rPr lang="de-DE" sz="1100" dirty="0"/>
-              <a:t>heute erfüllt </a:t>
-            </a:r>
-            <a:r>
-              <a:rPr lang="de-DE" sz="1100" dirty="0" smtClean="0"/>
-              <a:t>hat, </a:t>
-            </a:r>
-            <a:r>
-              <a:rPr lang="de-DE" sz="1100" dirty="0"/>
-              <a:t>und bereite es in Form eines kurzen Textes oder als </a:t>
-            </a:r>
-            <a:r>
-              <a:rPr lang="de-DE" sz="1100" dirty="0" err="1"/>
-              <a:t>Bulletpointliste</a:t>
-            </a:r>
-            <a:r>
-              <a:rPr lang="de-DE" sz="1100" dirty="0"/>
-              <a:t> für </a:t>
-            </a:r>
-            <a:r>
-              <a:rPr lang="de-DE" sz="1100" dirty="0" smtClean="0"/>
-              <a:t>Dich auf</a:t>
-            </a:r>
-            <a:r>
-              <a:rPr lang="de-DE" sz="1100" dirty="0"/>
-              <a:t>.</a:t>
+              <a:t>für Dich auf.</a:t>
             </a:r>
           </a:p>
           <a:p>
@@ -2318,24 +2172,12 @@
                 <a:spcPts val="1400"/>
               </a:lnSpc>
               <a:spcBef>
-                <a:spcPts val="1000"/>
+                <a:spcPts val="1200"/>
               </a:spcBef>
             </a:pPr>
             <a:r>
-              <a:rPr lang="de-DE" sz="1100" dirty="0" smtClean="0"/>
-              <a:t>Du kannst diese Texte oder Listen benutzen, um mit Deiner Vision in Verbindung zu kommen. Wenn Du bereits mit Deiner Vision gearbeitet hast, kannst Du diese Texte auch nutzen, um sie mit Deiner Vision in </a:t>
-            </a:r>
-            <a:r>
-              <a:rPr lang="de-DE" sz="1100" dirty="0" smtClean="0"/>
-              <a:t>Verbindung zu </a:t>
-            </a:r>
-            <a:r>
-              <a:rPr lang="de-DE" sz="1100" dirty="0" smtClean="0"/>
-              <a:t>bringen (</a:t>
-            </a:r>
-            <a:r>
               <a:rPr lang="de-DE" sz="1100" dirty="0"/>
-              <a:t>siehe VIS-03).</a:t>
+              <a:t>Du kannst diese Texte oder Listen benutzen, um mit Deiner Vision in Verbindung zu kommen. Wenn Du bereits mit Deiner Vision gearbeitet hast, kannst Du diese Texte auch nutzen, um sie mit Deiner Vision in Verbindung zu bringen (siehe VIS-03).</a:t>
             </a:r>
           </a:p>
           <a:p>
@@ -2344,20 +2186,12 @@
                 <a:spcPts val="1400"/>
               </a:lnSpc>
               <a:spcBef>
-                <a:spcPts val="1000"/>
+                <a:spcPts val="1200"/>
               </a:spcBef>
             </a:pPr>
             <a:r>
-              <a:rPr lang="de-DE" sz="1100" dirty="0" smtClean="0"/>
-              <a:t>Mache diesen Move in </a:t>
-            </a:r>
-            <a:r>
               <a:rPr lang="de-DE" sz="1100" dirty="0"/>
-              <a:t>zwei Wochen acht </a:t>
-            </a:r>
-            <a:r>
-              <a:rPr lang="de-DE" sz="1100" dirty="0" smtClean="0"/>
-              <a:t>Mal.</a:t>
+              <a:t>Mache diesen Move in zwei Wochen acht Mal.</a:t>
             </a:r>
           </a:p>
           <a:p>
@@ -2366,12 +2200,12 @@
                 <a:spcPts val="1400"/>
               </a:lnSpc>
               <a:spcBef>
-                <a:spcPts val="1000"/>
+                <a:spcPts val="1200"/>
               </a:spcBef>
             </a:pPr>
             <a:r>
               <a:rPr lang="de-DE" sz="1100" dirty="0"/>
-              <a:t>Wenn Du ein Team oder Trainingspartner hast, bespreche Deine Erfahrungen mit ihnen. </a:t>
+              <a:t>Wenn Du ein Team oder Trainingspartner hast, bespreche Deine Erfahrungen mit ihnen.</a:t>
             </a:r>
           </a:p>
         </p:txBody>
